--- a/architecture_code.pptx
+++ b/architecture_code.pptx
@@ -111,6 +111,11 @@
       </a:defRPr>
     </a:lvl9pPr>
   </p:defaultTextStyle>
+  <p:extLst>
+    <p:ext uri="{EFAFB233-063F-42B5-8137-9DF3F51BA10A}">
+      <p15:sldGuideLst xmlns:p15="http://schemas.microsoft.com/office/powerpoint/2012/main"/>
+    </p:ext>
+  </p:extLst>
 </p:presentation>
 </file>
 
@@ -245,7 +250,7 @@
           <a:p>
             <a:fld id="{ADE07912-0893-4869-847E-A88A7B2F9B00}" type="datetimeFigureOut">
               <a:rPr lang="fr-FR" smtClean="0"/>
-              <a:t>15/02/2021</a:t>
+              <a:t>16/02/2021</a:t>
             </a:fld>
             <a:endParaRPr lang="fr-FR"/>
           </a:p>
@@ -415,7 +420,7 @@
           <a:p>
             <a:fld id="{ADE07912-0893-4869-847E-A88A7B2F9B00}" type="datetimeFigureOut">
               <a:rPr lang="fr-FR" smtClean="0"/>
-              <a:t>15/02/2021</a:t>
+              <a:t>16/02/2021</a:t>
             </a:fld>
             <a:endParaRPr lang="fr-FR"/>
           </a:p>
@@ -595,7 +600,7 @@
           <a:p>
             <a:fld id="{ADE07912-0893-4869-847E-A88A7B2F9B00}" type="datetimeFigureOut">
               <a:rPr lang="fr-FR" smtClean="0"/>
-              <a:t>15/02/2021</a:t>
+              <a:t>16/02/2021</a:t>
             </a:fld>
             <a:endParaRPr lang="fr-FR"/>
           </a:p>
@@ -765,7 +770,7 @@
           <a:p>
             <a:fld id="{ADE07912-0893-4869-847E-A88A7B2F9B00}" type="datetimeFigureOut">
               <a:rPr lang="fr-FR" smtClean="0"/>
-              <a:t>15/02/2021</a:t>
+              <a:t>16/02/2021</a:t>
             </a:fld>
             <a:endParaRPr lang="fr-FR"/>
           </a:p>
@@ -1011,7 +1016,7 @@
           <a:p>
             <a:fld id="{ADE07912-0893-4869-847E-A88A7B2F9B00}" type="datetimeFigureOut">
               <a:rPr lang="fr-FR" smtClean="0"/>
-              <a:t>15/02/2021</a:t>
+              <a:t>16/02/2021</a:t>
             </a:fld>
             <a:endParaRPr lang="fr-FR"/>
           </a:p>
@@ -1243,7 +1248,7 @@
           <a:p>
             <a:fld id="{ADE07912-0893-4869-847E-A88A7B2F9B00}" type="datetimeFigureOut">
               <a:rPr lang="fr-FR" smtClean="0"/>
-              <a:t>15/02/2021</a:t>
+              <a:t>16/02/2021</a:t>
             </a:fld>
             <a:endParaRPr lang="fr-FR"/>
           </a:p>
@@ -1610,7 +1615,7 @@
           <a:p>
             <a:fld id="{ADE07912-0893-4869-847E-A88A7B2F9B00}" type="datetimeFigureOut">
               <a:rPr lang="fr-FR" smtClean="0"/>
-              <a:t>15/02/2021</a:t>
+              <a:t>16/02/2021</a:t>
             </a:fld>
             <a:endParaRPr lang="fr-FR"/>
           </a:p>
@@ -1728,7 +1733,7 @@
           <a:p>
             <a:fld id="{ADE07912-0893-4869-847E-A88A7B2F9B00}" type="datetimeFigureOut">
               <a:rPr lang="fr-FR" smtClean="0"/>
-              <a:t>15/02/2021</a:t>
+              <a:t>16/02/2021</a:t>
             </a:fld>
             <a:endParaRPr lang="fr-FR"/>
           </a:p>
@@ -1823,7 +1828,7 @@
           <a:p>
             <a:fld id="{ADE07912-0893-4869-847E-A88A7B2F9B00}" type="datetimeFigureOut">
               <a:rPr lang="fr-FR" smtClean="0"/>
-              <a:t>15/02/2021</a:t>
+              <a:t>16/02/2021</a:t>
             </a:fld>
             <a:endParaRPr lang="fr-FR"/>
           </a:p>
@@ -2100,7 +2105,7 @@
           <a:p>
             <a:fld id="{ADE07912-0893-4869-847E-A88A7B2F9B00}" type="datetimeFigureOut">
               <a:rPr lang="fr-FR" smtClean="0"/>
-              <a:t>15/02/2021</a:t>
+              <a:t>16/02/2021</a:t>
             </a:fld>
             <a:endParaRPr lang="fr-FR"/>
           </a:p>
@@ -2353,7 +2358,7 @@
           <a:p>
             <a:fld id="{ADE07912-0893-4869-847E-A88A7B2F9B00}" type="datetimeFigureOut">
               <a:rPr lang="fr-FR" smtClean="0"/>
-              <a:t>15/02/2021</a:t>
+              <a:t>16/02/2021</a:t>
             </a:fld>
             <a:endParaRPr lang="fr-FR"/>
           </a:p>
@@ -2566,7 +2571,7 @@
           <a:p>
             <a:fld id="{ADE07912-0893-4869-847E-A88A7B2F9B00}" type="datetimeFigureOut">
               <a:rPr lang="fr-FR" smtClean="0"/>
-              <a:t>15/02/2021</a:t>
+              <a:t>16/02/2021</a:t>
             </a:fld>
             <a:endParaRPr lang="fr-FR"/>
           </a:p>
@@ -3099,7 +3104,7 @@
           <a:p>
             <a:r>
               <a:rPr lang="fr-FR" dirty="0" err="1" smtClean="0"/>
-              <a:t>run</a:t>
+              <a:t>evaluate</a:t>
             </a:r>
             <a:endParaRPr lang="fr-FR" dirty="0"/>
           </a:p>
@@ -3415,7 +3420,6 @@
               <a:rPr lang="fr-FR" dirty="0" smtClean="0"/>
               <a:t>mode : offline/online</a:t>
             </a:r>
-            <a:endParaRPr lang="fr-FR" dirty="0" smtClean="0"/>
           </a:p>
           <a:p>
             <a:pPr marL="742950" lvl="1" indent="-285750">
@@ -3571,11 +3575,7 @@
           <a:p>
             <a:r>
               <a:rPr lang="fr-FR" b="1" dirty="0" err="1" smtClean="0"/>
-              <a:t>student_file</a:t>
-            </a:r>
-            <a:r>
-              <a:rPr lang="fr-FR" b="1" dirty="0" err="1" smtClean="0"/>
-              <a:t>.jl</a:t>
+              <a:t>student_file.jl</a:t>
             </a:r>
             <a:endParaRPr lang="fr-FR" b="1" dirty="0" smtClean="0"/>
           </a:p>
@@ -4836,8 +4836,8 @@
         </p:nvSpPr>
         <p:spPr>
           <a:xfrm>
-            <a:off x="369278" y="213928"/>
-            <a:ext cx="3972400" cy="461665"/>
+            <a:off x="62067" y="167762"/>
+            <a:ext cx="4647692" cy="461665"/>
           </a:xfrm>
           <a:prstGeom prst="rect">
             <a:avLst/>
@@ -4856,7 +4856,15 @@
                   <a:srgbClr val="FF0000"/>
                 </a:solidFill>
               </a:rPr>
-              <a:t>run</a:t>
+              <a:t>e</a:t>
+            </a:r>
+            <a:r>
+              <a:rPr lang="fr-FR" sz="2400" b="1" dirty="0" err="1" smtClean="0">
+                <a:solidFill>
+                  <a:srgbClr val="FF0000"/>
+                </a:solidFill>
+              </a:rPr>
+              <a:t>valuate</a:t>
             </a:r>
             <a:r>
               <a:rPr lang="fr-FR" sz="2400" b="1" dirty="0" smtClean="0">
@@ -5072,11 +5080,7 @@
             </a:r>
             <a:r>
               <a:rPr lang="fr-FR" dirty="0" smtClean="0"/>
-              <a:t> » </a:t>
-            </a:r>
-            <a:r>
-              <a:rPr lang="fr-FR" dirty="0" smtClean="0"/>
-              <a:t>-&gt; scenarios</a:t>
+              <a:t> » -&gt; scenarios</a:t>
             </a:r>
           </a:p>
           <a:p>
